--- a/lessons/sem_01/lesson_03/decorators.pptx
+++ b/lessons/sem_01/lesson_03/decorators.pptx
@@ -28091,7 +28091,7 @@
                 <a:cs typeface="Consolas" panose="020B0609020204030204" charset="0"/>
                 <a:sym typeface="+mn-ea"/>
               </a:rPr>
-              <a:t>some_number = 9;</a:t>
+              <a:t>some_number = 6;</a:t>
             </a:r>
             <a:endParaRPr lang="en-US" altLang="ru-RU" sz="6000">
               <a:latin typeface="Consolas" panose="020B0609020204030204" charset="0"/>
